--- a/Mastering Supabase Session5.pptx
+++ b/Mastering Supabase Session5.pptx
@@ -48,7 +48,7 @@
       <p:regular r:id="rId35"/>
     </p:embeddedFont>
     <p:embeddedFont>
-      <p:font typeface="Poppins" panose="00000400000000000000"/>
+      <p:font typeface="Poppins" panose="02000000000000000000"/>
       <p:regular r:id="rId36"/>
       <p:italic r:id="rId37"/>
       <p:boldItalic r:id="rId38"/>
@@ -56,10 +56,12 @@
     <p:embeddedFont>
       <p:font typeface="Homemade Apple" panose="02000000000000000000"/>
       <p:regular r:id="rId39"/>
+      <p:italic r:id="rId40"/>
+      <p:boldItalic r:id="rId41"/>
     </p:embeddedFont>
     <p:embeddedFont>
       <p:font typeface="Aldhabi" panose="01000000000000000000" charset="0"/>
-      <p:regular r:id="rId40"/>
+      <p:regular r:id="rId42"/>
     </p:embeddedFont>
   </p:embeddedFontLst>
   <p:defaultTextStyle>
@@ -6428,10 +6430,10 @@
                   <a:solidFill>
                     <a:srgbClr val="3F3F3F"/>
                   </a:solidFill>
-                  <a:latin typeface="Poppins" panose="00000400000000000000"/>
-                  <a:ea typeface="Poppins" panose="00000400000000000000"/>
-                  <a:cs typeface="Poppins" panose="00000400000000000000"/>
-                  <a:sym typeface="Poppins" panose="00000400000000000000"/>
+                  <a:latin typeface="Poppins" panose="02000000000000000000"/>
+                  <a:ea typeface="Poppins" panose="02000000000000000000"/>
+                  <a:cs typeface="Poppins" panose="02000000000000000000"/>
+                  <a:sym typeface="Poppins" panose="02000000000000000000"/>
                 </a:rPr>
                 <a:t>Free </a:t>
               </a:r>
@@ -6440,10 +6442,10 @@
                   <a:solidFill>
                     <a:srgbClr val="3F3F3F"/>
                   </a:solidFill>
-                  <a:latin typeface="Poppins" panose="00000400000000000000"/>
-                  <a:ea typeface="Poppins" panose="00000400000000000000"/>
-                  <a:cs typeface="Poppins" panose="00000400000000000000"/>
-                  <a:sym typeface="Poppins" panose="00000400000000000000"/>
+                  <a:latin typeface="Poppins" panose="02000000000000000000"/>
+                  <a:ea typeface="Poppins" panose="02000000000000000000"/>
+                  <a:cs typeface="Poppins" panose="02000000000000000000"/>
+                  <a:sym typeface="Poppins" panose="02000000000000000000"/>
                 </a:rPr>
                 <a:t>themes and templates for </a:t>
               </a:r>
@@ -6452,10 +6454,10 @@
                   <a:solidFill>
                     <a:srgbClr val="3F3F3F"/>
                   </a:solidFill>
-                  <a:latin typeface="Poppins" panose="00000400000000000000"/>
-                  <a:ea typeface="Poppins" panose="00000400000000000000"/>
-                  <a:cs typeface="Poppins" panose="00000400000000000000"/>
-                  <a:sym typeface="Poppins" panose="00000400000000000000"/>
+                  <a:latin typeface="Poppins" panose="02000000000000000000"/>
+                  <a:ea typeface="Poppins" panose="02000000000000000000"/>
+                  <a:cs typeface="Poppins" panose="02000000000000000000"/>
+                  <a:sym typeface="Poppins" panose="02000000000000000000"/>
                 </a:rPr>
                 <a:t>Google Slides</a:t>
               </a:r>
@@ -6464,10 +6466,10 @@
                   <a:solidFill>
                     <a:srgbClr val="3F3F3F"/>
                   </a:solidFill>
-                  <a:latin typeface="Poppins" panose="00000400000000000000"/>
-                  <a:ea typeface="Poppins" panose="00000400000000000000"/>
-                  <a:cs typeface="Poppins" panose="00000400000000000000"/>
-                  <a:sym typeface="Poppins" panose="00000400000000000000"/>
+                  <a:latin typeface="Poppins" panose="02000000000000000000"/>
+                  <a:ea typeface="Poppins" panose="02000000000000000000"/>
+                  <a:cs typeface="Poppins" panose="02000000000000000000"/>
+                  <a:sym typeface="Poppins" panose="02000000000000000000"/>
                 </a:rPr>
                 <a:t> or </a:t>
               </a:r>
@@ -6476,10 +6478,10 @@
                   <a:solidFill>
                     <a:srgbClr val="3F3F3F"/>
                   </a:solidFill>
-                  <a:latin typeface="Poppins" panose="00000400000000000000"/>
-                  <a:ea typeface="Poppins" panose="00000400000000000000"/>
-                  <a:cs typeface="Poppins" panose="00000400000000000000"/>
-                  <a:sym typeface="Poppins" panose="00000400000000000000"/>
+                  <a:latin typeface="Poppins" panose="02000000000000000000"/>
+                  <a:ea typeface="Poppins" panose="02000000000000000000"/>
+                  <a:cs typeface="Poppins" panose="02000000000000000000"/>
+                  <a:sym typeface="Poppins" panose="02000000000000000000"/>
                 </a:rPr>
                 <a:t>PowerPoint</a:t>
               </a:r>
@@ -6487,10 +6489,10 @@
                 <a:solidFill>
                   <a:srgbClr val="3F3F3F"/>
                 </a:solidFill>
-                <a:latin typeface="Poppins" panose="00000400000000000000"/>
-                <a:ea typeface="Poppins" panose="00000400000000000000"/>
-                <a:cs typeface="Poppins" panose="00000400000000000000"/>
-                <a:sym typeface="Poppins" panose="00000400000000000000"/>
+                <a:latin typeface="Poppins" panose="02000000000000000000"/>
+                <a:ea typeface="Poppins" panose="02000000000000000000"/>
+                <a:cs typeface="Poppins" panose="02000000000000000000"/>
+                <a:sym typeface="Poppins" panose="02000000000000000000"/>
               </a:endParaRPr>
             </a:p>
             <a:p>
@@ -6507,10 +6509,10 @@
                 <a:solidFill>
                   <a:srgbClr val="3F3F3F"/>
                 </a:solidFill>
-                <a:latin typeface="Poppins" panose="00000400000000000000"/>
-                <a:ea typeface="Poppins" panose="00000400000000000000"/>
-                <a:cs typeface="Poppins" panose="00000400000000000000"/>
-                <a:sym typeface="Poppins" panose="00000400000000000000"/>
+                <a:latin typeface="Poppins" panose="02000000000000000000"/>
+                <a:ea typeface="Poppins" panose="02000000000000000000"/>
+                <a:cs typeface="Poppins" panose="02000000000000000000"/>
+                <a:sym typeface="Poppins" panose="02000000000000000000"/>
               </a:endParaRPr>
             </a:p>
             <a:p>
@@ -6527,10 +6529,10 @@
                 <a:solidFill>
                   <a:srgbClr val="3F3F3F"/>
                 </a:solidFill>
-                <a:latin typeface="Poppins" panose="00000400000000000000"/>
-                <a:ea typeface="Poppins" panose="00000400000000000000"/>
-                <a:cs typeface="Poppins" panose="00000400000000000000"/>
-                <a:sym typeface="Poppins" panose="00000400000000000000"/>
+                <a:latin typeface="Poppins" panose="02000000000000000000"/>
+                <a:ea typeface="Poppins" panose="02000000000000000000"/>
+                <a:cs typeface="Poppins" panose="02000000000000000000"/>
+                <a:sym typeface="Poppins" panose="02000000000000000000"/>
               </a:endParaRPr>
             </a:p>
             <a:p>
@@ -6548,10 +6550,10 @@
                   <a:solidFill>
                     <a:srgbClr val="FFCB25"/>
                   </a:solidFill>
-                  <a:latin typeface="Poppins" panose="00000400000000000000"/>
-                  <a:ea typeface="Poppins" panose="00000400000000000000"/>
-                  <a:cs typeface="Poppins" panose="00000400000000000000"/>
-                  <a:sym typeface="Poppins" panose="00000400000000000000"/>
+                  <a:latin typeface="Poppins" panose="02000000000000000000"/>
+                  <a:ea typeface="Poppins" panose="02000000000000000000"/>
+                  <a:cs typeface="Poppins" panose="02000000000000000000"/>
+                  <a:sym typeface="Poppins" panose="02000000000000000000"/>
                 </a:rPr>
                 <a:t>NOT to be sold as is or modified!</a:t>
               </a:r>
@@ -6559,10 +6561,10 @@
                 <a:solidFill>
                   <a:srgbClr val="FFCB25"/>
                 </a:solidFill>
-                <a:latin typeface="Poppins" panose="00000400000000000000"/>
-                <a:ea typeface="Poppins" panose="00000400000000000000"/>
-                <a:cs typeface="Poppins" panose="00000400000000000000"/>
-                <a:sym typeface="Poppins" panose="00000400000000000000"/>
+                <a:latin typeface="Poppins" panose="02000000000000000000"/>
+                <a:ea typeface="Poppins" panose="02000000000000000000"/>
+                <a:cs typeface="Poppins" panose="02000000000000000000"/>
+                <a:sym typeface="Poppins" panose="02000000000000000000"/>
               </a:endParaRPr>
             </a:p>
             <a:p>
@@ -6580,10 +6582,10 @@
                   <a:solidFill>
                     <a:srgbClr val="3F3F3F"/>
                   </a:solidFill>
-                  <a:latin typeface="Poppins" panose="00000400000000000000"/>
-                  <a:ea typeface="Poppins" panose="00000400000000000000"/>
-                  <a:cs typeface="Poppins" panose="00000400000000000000"/>
-                  <a:sym typeface="Poppins" panose="00000400000000000000"/>
+                  <a:latin typeface="Poppins" panose="02000000000000000000"/>
+                  <a:ea typeface="Poppins" panose="02000000000000000000"/>
+                  <a:cs typeface="Poppins" panose="02000000000000000000"/>
+                  <a:sym typeface="Poppins" panose="02000000000000000000"/>
                 </a:rPr>
                 <a:t>Read </a:t>
               </a:r>
@@ -6592,10 +6594,10 @@
                   <a:solidFill>
                     <a:srgbClr val="3F3F3F"/>
                   </a:solidFill>
-                  <a:latin typeface="Poppins" panose="00000400000000000000"/>
-                  <a:ea typeface="Poppins" panose="00000400000000000000"/>
-                  <a:cs typeface="Poppins" panose="00000400000000000000"/>
-                  <a:sym typeface="Poppins" panose="00000400000000000000"/>
+                  <a:latin typeface="Poppins" panose="02000000000000000000"/>
+                  <a:ea typeface="Poppins" panose="02000000000000000000"/>
+                  <a:cs typeface="Poppins" panose="02000000000000000000"/>
+                  <a:sym typeface="Poppins" panose="02000000000000000000"/>
                   <a:hlinkClick r:id="rId2"/>
                 </a:rPr>
                 <a:t>FAQ</a:t>
@@ -6605,10 +6607,10 @@
                   <a:solidFill>
                     <a:srgbClr val="FFCB25"/>
                   </a:solidFill>
-                  <a:latin typeface="Poppins" panose="00000400000000000000"/>
-                  <a:ea typeface="Poppins" panose="00000400000000000000"/>
-                  <a:cs typeface="Poppins" panose="00000400000000000000"/>
-                  <a:sym typeface="Poppins" panose="00000400000000000000"/>
+                  <a:latin typeface="Poppins" panose="02000000000000000000"/>
+                  <a:ea typeface="Poppins" panose="02000000000000000000"/>
+                  <a:cs typeface="Poppins" panose="02000000000000000000"/>
+                  <a:sym typeface="Poppins" panose="02000000000000000000"/>
                 </a:rPr>
                 <a:t> </a:t>
               </a:r>
@@ -6617,10 +6619,10 @@
                   <a:solidFill>
                     <a:srgbClr val="3F3F3F"/>
                   </a:solidFill>
-                  <a:latin typeface="Poppins" panose="00000400000000000000"/>
-                  <a:ea typeface="Poppins" panose="00000400000000000000"/>
-                  <a:cs typeface="Poppins" panose="00000400000000000000"/>
-                  <a:sym typeface="Poppins" panose="00000400000000000000"/>
+                  <a:latin typeface="Poppins" panose="02000000000000000000"/>
+                  <a:ea typeface="Poppins" panose="02000000000000000000"/>
+                  <a:cs typeface="Poppins" panose="02000000000000000000"/>
+                  <a:sym typeface="Poppins" panose="02000000000000000000"/>
                 </a:rPr>
                 <a:t>on slidesmania.com</a:t>
               </a:r>
@@ -6628,10 +6630,10 @@
                 <a:solidFill>
                   <a:srgbClr val="3F3F3F"/>
                 </a:solidFill>
-                <a:latin typeface="Poppins" panose="00000400000000000000"/>
-                <a:ea typeface="Poppins" panose="00000400000000000000"/>
-                <a:cs typeface="Poppins" panose="00000400000000000000"/>
-                <a:sym typeface="Poppins" panose="00000400000000000000"/>
+                <a:latin typeface="Poppins" panose="02000000000000000000"/>
+                <a:ea typeface="Poppins" panose="02000000000000000000"/>
+                <a:cs typeface="Poppins" panose="02000000000000000000"/>
+                <a:sym typeface="Poppins" panose="02000000000000000000"/>
               </a:endParaRPr>
             </a:p>
             <a:p>
@@ -6649,10 +6651,10 @@
                   <a:solidFill>
                     <a:srgbClr val="3F3F3F"/>
                   </a:solidFill>
-                  <a:latin typeface="Poppins" panose="00000400000000000000"/>
-                  <a:ea typeface="Poppins" panose="00000400000000000000"/>
-                  <a:cs typeface="Poppins" panose="00000400000000000000"/>
-                  <a:sym typeface="Poppins" panose="00000400000000000000"/>
+                  <a:latin typeface="Poppins" panose="02000000000000000000"/>
+                  <a:ea typeface="Poppins" panose="02000000000000000000"/>
+                  <a:cs typeface="Poppins" panose="02000000000000000000"/>
+                  <a:sym typeface="Poppins" panose="02000000000000000000"/>
                 </a:rPr>
                 <a:t>Do not remove the slidesmania.com text on the sides.</a:t>
               </a:r>
@@ -6660,10 +6662,10 @@
                 <a:solidFill>
                   <a:srgbClr val="3F3F3F"/>
                 </a:solidFill>
-                <a:latin typeface="Poppins" panose="00000400000000000000"/>
-                <a:ea typeface="Poppins" panose="00000400000000000000"/>
-                <a:cs typeface="Poppins" panose="00000400000000000000"/>
-                <a:sym typeface="Poppins" panose="00000400000000000000"/>
+                <a:latin typeface="Poppins" panose="02000000000000000000"/>
+                <a:ea typeface="Poppins" panose="02000000000000000000"/>
+                <a:cs typeface="Poppins" panose="02000000000000000000"/>
+                <a:sym typeface="Poppins" panose="02000000000000000000"/>
               </a:endParaRPr>
             </a:p>
           </p:txBody>
@@ -17278,7 +17280,7 @@
             </a:r>
             <a:r>
               <a:rPr lang="en-US">
-                <a:hlinkClick r:id="rId2" tooltip="" action="ppaction://hlinkfile"/>
+                <a:hlinkClick r:id="rId2" action="ppaction://hlinkfile"/>
               </a:rPr>
               <a:t>Google Cloud Console</a:t>
             </a:r>
@@ -19573,29 +19575,16 @@
             </a:pPr>
             <a:r>
               <a:rPr lang="en-US"/>
-              <a:t>Configure Google as a social login provider in your Supabase project.</a:t>
+              <a:t>Configure Githup or any provider as a social login provider in your Supabase project.</a:t>
             </a:r>
             <a:endParaRPr lang="en-US"/>
           </a:p>
           <a:p>
-            <a:pPr>
+            <a:pPr marL="107950" indent="0">
               <a:lnSpc>
                 <a:spcPct val="150000"/>
               </a:lnSpc>
-            </a:pPr>
-            <a:r>
-              <a:rPr lang="en-US">
-                <a:sym typeface="+mn-ea"/>
-              </a:rPr>
-              <a:t>Set up Redirect URL in your project</a:t>
-            </a:r>
-            <a:endParaRPr lang="en-US"/>
-          </a:p>
-          <a:p>
-            <a:pPr>
-              <a:lnSpc>
-                <a:spcPct val="150000"/>
-              </a:lnSpc>
+              <a:buNone/>
             </a:pPr>
             <a:endParaRPr lang="en-US"/>
           </a:p>
@@ -20692,7 +20681,7 @@
             </a:pPr>
             <a:r>
               <a:rPr lang="en-US" altLang="en-GB" sz="10000"/>
-              <a:t>See you next sesson</a:t>
+              <a:t>See you next session</a:t>
             </a:r>
             <a:r>
               <a:rPr lang="en-GB" sz="10000"/>

--- a/Mastering Supabase Session5.pptx
+++ b/Mastering Supabase Session5.pptx
@@ -58,10 +58,6 @@
       <p:regular r:id="rId39"/>
       <p:italic r:id="rId40"/>
       <p:boldItalic r:id="rId41"/>
-    </p:embeddedFont>
-    <p:embeddedFont>
-      <p:font typeface="Aldhabi" panose="01000000000000000000" charset="0"/>
-      <p:regular r:id="rId42"/>
     </p:embeddedFont>
   </p:embeddedFontLst>
   <p:defaultTextStyle>
@@ -19113,7 +19109,7 @@
           <a:p>
             <a:pPr lvl="0" algn="ctr"/>
             <a:r>
-              <a:rPr b="1" i="0">
+              <a:rPr b="1">
                 <a:ln w="28575" cap="flat" cmpd="sng">
                   <a:solidFill>
                     <a:schemeClr val="dk1"/>
@@ -19125,11 +19121,12 @@
                 </a:ln>
                 <a:noFill/>
                 <a:latin typeface="Calistoga"/>
+                <a:sym typeface="+mn-ea"/>
               </a:rPr>
               <a:t>0</a:t>
             </a:r>
             <a:r>
-              <a:rPr lang="ar-EG" b="1" i="0">
+              <a:rPr lang="en-US" b="1">
                 <a:ln w="28575" cap="flat" cmpd="sng">
                   <a:solidFill>
                     <a:schemeClr val="dk1"/>
@@ -19141,6 +19138,7 @@
                 </a:ln>
                 <a:noFill/>
                 <a:latin typeface="Calistoga"/>
+                <a:sym typeface="+mn-ea"/>
               </a:rPr>
               <a:t>4</a:t>
             </a:r>
@@ -22207,6 +22205,11 @@
             <a:r>
               <a:t>Setting Up Email/Password Authentication</a:t>
             </a:r>
+            <a:r>
+              <a:rPr lang="en-US"/>
+              <a:t>.</a:t>
+            </a:r>
+            <a:endParaRPr lang="en-US"/>
           </a:p>
         </p:txBody>
       </p:sp>
